--- a/111-1/程式設計實務/Exam/Midterm/期中檢討 - 03判斷座標是否在圓內.pptx
+++ b/111-1/程式設計實務/Exam/Midterm/期中檢討 - 03判斷座標是否在圓內.pptx
@@ -786,7 +786,7 @@
           <a:p>
             <a:fld id="{7D7C84EE-F390-45B4-9074-D2D799E555B5}" type="datetimeFigureOut">
               <a:rPr lang="zh-TW" altLang="en-US" smtClean="0"/>
-              <a:t>2022/11/10</a:t>
+              <a:t>2022/11/21</a:t>
             </a:fld>
             <a:endParaRPr lang="zh-TW" altLang="en-US"/>
           </a:p>
@@ -952,7 +952,7 @@
           <a:p>
             <a:fld id="{A0FE4780-4742-4AF7-B9F6-29387D06C872}" type="datetimeFigureOut">
               <a:rPr lang="ko-KR" altLang="en-US" smtClean="0"/>
-              <a:t>2022-11-10</a:t>
+              <a:t>2022-11-21</a:t>
             </a:fld>
             <a:endParaRPr lang="ko-KR" altLang="en-US"/>
           </a:p>
@@ -19853,8 +19853,8 @@
           </a:p>
         </p:txBody>
       </p:sp>
-      <mc:AlternateContent xmlns:mc="http://schemas.openxmlformats.org/markup-compatibility/2006">
-        <mc:Choice xmlns:a14="http://schemas.microsoft.com/office/drawing/2010/main" Requires="a14">
+      <mc:AlternateContent xmlns:mc="http://schemas.openxmlformats.org/markup-compatibility/2006" xmlns:a14="http://schemas.microsoft.com/office/drawing/2010/main">
+        <mc:Choice Requires="a14">
           <p:sp>
             <p:nvSpPr>
               <p:cNvPr id="51" name="文字版面配置區 50"/>
@@ -20214,7 +20214,7 @@
             </p:txBody>
           </p:sp>
         </mc:Choice>
-        <mc:Fallback>
+        <mc:Fallback xmlns="">
           <p:sp>
             <p:nvSpPr>
               <p:cNvPr id="51" name="文字版面配置區 50"/>
@@ -20483,8 +20483,8 @@
               </p:style>
             </p:cxnSp>
           </p:grpSp>
-          <mc:AlternateContent xmlns:mc="http://schemas.openxmlformats.org/markup-compatibility/2006">
-            <mc:Choice xmlns:a14="http://schemas.microsoft.com/office/drawing/2010/main" Requires="a14">
+          <mc:AlternateContent xmlns:mc="http://schemas.openxmlformats.org/markup-compatibility/2006" xmlns:a14="http://schemas.microsoft.com/office/drawing/2010/main">
+            <mc:Choice Requires="a14">
               <p:sp>
                 <p:nvSpPr>
                   <p:cNvPr id="36" name="文字方塊 35"/>
@@ -20507,6 +20507,7 @@
                   </a:bodyPr>
                   <a:lstStyle/>
                   <a:p>
+                    <a:pPr/>
                     <a14:m>
                       <m:oMathPara xmlns:m="http://schemas.openxmlformats.org/officeDocument/2006/math">
                         <m:oMathParaPr>
@@ -20529,25 +20530,7 @@
                               </a:solidFill>
                               <a:latin typeface="Cambria Math" panose="02040503050406030204" pitchFamily="18" charset="0"/>
                             </a:rPr>
-                            <m:t>(15, </m:t>
-                          </m:r>
-                          <m:r>
-                            <a:rPr lang="en-US" altLang="zh-TW" sz="1400" b="0" i="1" smtClean="0">
-                              <a:solidFill>
-                                <a:schemeClr val="tx1"/>
-                              </a:solidFill>
-                              <a:latin typeface="Cambria Math" panose="02040503050406030204" pitchFamily="18" charset="0"/>
-                            </a:rPr>
-                            <m:t>20</m:t>
-                          </m:r>
-                          <m:r>
-                            <a:rPr lang="en-US" altLang="zh-TW" sz="1400" i="1" smtClean="0">
-                              <a:solidFill>
-                                <a:schemeClr val="tx1"/>
-                              </a:solidFill>
-                              <a:latin typeface="Cambria Math" panose="02040503050406030204" pitchFamily="18" charset="0"/>
-                            </a:rPr>
-                            <m:t>)</m:t>
+                            <m:t>(15, 20)</m:t>
                           </m:r>
                         </m:oMath>
                       </m:oMathPara>
@@ -20561,7 +20544,7 @@
                 </p:txBody>
               </p:sp>
             </mc:Choice>
-            <mc:Fallback>
+            <mc:Fallback xmlns="">
               <p:sp>
                 <p:nvSpPr>
                   <p:cNvPr id="36" name="文字方塊 35"/>
@@ -20600,8 +20583,8 @@
               </p:sp>
             </mc:Fallback>
           </mc:AlternateContent>
-          <mc:AlternateContent xmlns:mc="http://schemas.openxmlformats.org/markup-compatibility/2006">
-            <mc:Choice xmlns:a14="http://schemas.microsoft.com/office/drawing/2010/main" Requires="a14">
+          <mc:AlternateContent xmlns:mc="http://schemas.openxmlformats.org/markup-compatibility/2006" xmlns:a14="http://schemas.microsoft.com/office/drawing/2010/main">
+            <mc:Choice Requires="a14">
               <p:sp>
                 <p:nvSpPr>
                   <p:cNvPr id="37" name="文字方塊 36"/>
@@ -20624,6 +20607,7 @@
                   </a:bodyPr>
                   <a:lstStyle/>
                   <a:p>
+                    <a:pPr/>
                     <a14:m>
                       <m:oMathPara xmlns:m="http://schemas.openxmlformats.org/officeDocument/2006/math">
                         <m:oMathParaPr>
@@ -20640,19 +20624,7 @@
                             <a:rPr lang="en-US" altLang="zh-TW" sz="1400" i="1" smtClean="0">
                               <a:latin typeface="Cambria Math" panose="02040503050406030204" pitchFamily="18" charset="0"/>
                             </a:rPr>
-                            <m:t>(10, </m:t>
-                          </m:r>
-                          <m:r>
-                            <a:rPr lang="en-US" altLang="zh-TW" sz="1400" b="0" i="1" smtClean="0">
-                              <a:latin typeface="Cambria Math" panose="02040503050406030204" pitchFamily="18" charset="0"/>
-                            </a:rPr>
-                            <m:t>17</m:t>
-                          </m:r>
-                          <m:r>
-                            <a:rPr lang="en-US" altLang="zh-TW" sz="1400" i="1" smtClean="0">
-                              <a:latin typeface="Cambria Math" panose="02040503050406030204" pitchFamily="18" charset="0"/>
-                            </a:rPr>
-                            <m:t>)</m:t>
+                            <m:t>(10, 17)</m:t>
                           </m:r>
                         </m:oMath>
                       </m:oMathPara>
@@ -20662,7 +20634,7 @@
                 </p:txBody>
               </p:sp>
             </mc:Choice>
-            <mc:Fallback>
+            <mc:Fallback xmlns="">
               <p:sp>
                 <p:nvSpPr>
                   <p:cNvPr id="37" name="文字方塊 36"/>
@@ -20793,8 +20765,8 @@
               </a:p>
             </p:txBody>
           </p:sp>
-          <mc:AlternateContent xmlns:mc="http://schemas.openxmlformats.org/markup-compatibility/2006">
-            <mc:Choice xmlns:a14="http://schemas.microsoft.com/office/drawing/2010/main" Requires="a14">
+          <mc:AlternateContent xmlns:mc="http://schemas.openxmlformats.org/markup-compatibility/2006" xmlns:a14="http://schemas.microsoft.com/office/drawing/2010/main">
+            <mc:Choice Requires="a14">
               <p:sp>
                 <p:nvSpPr>
                   <p:cNvPr id="40" name="文字方塊 39"/>
@@ -20817,6 +20789,7 @@
                   </a:bodyPr>
                   <a:lstStyle/>
                   <a:p>
+                    <a:pPr/>
                     <a14:m>
                       <m:oMathPara xmlns:m="http://schemas.openxmlformats.org/officeDocument/2006/math">
                         <m:oMathParaPr>
@@ -20844,7 +20817,7 @@
                 </p:txBody>
               </p:sp>
             </mc:Choice>
-            <mc:Fallback>
+            <mc:Fallback xmlns="">
               <p:sp>
                 <p:nvSpPr>
                   <p:cNvPr id="40" name="文字方塊 39"/>
@@ -20883,8 +20856,8 @@
               </p:sp>
             </mc:Fallback>
           </mc:AlternateContent>
-          <mc:AlternateContent xmlns:mc="http://schemas.openxmlformats.org/markup-compatibility/2006">
-            <mc:Choice xmlns:a14="http://schemas.microsoft.com/office/drawing/2010/main" Requires="a14">
+          <mc:AlternateContent xmlns:mc="http://schemas.openxmlformats.org/markup-compatibility/2006" xmlns:a14="http://schemas.microsoft.com/office/drawing/2010/main">
+            <mc:Choice Requires="a14">
               <p:sp>
                 <p:nvSpPr>
                   <p:cNvPr id="41" name="文字方塊 40"/>
@@ -20907,6 +20880,7 @@
                   </a:bodyPr>
                   <a:lstStyle/>
                   <a:p>
+                    <a:pPr/>
                     <a14:m>
                       <m:oMathPara xmlns:m="http://schemas.openxmlformats.org/officeDocument/2006/math">
                         <m:oMathParaPr>
@@ -20934,7 +20908,7 @@
                 </p:txBody>
               </p:sp>
             </mc:Choice>
-            <mc:Fallback>
+            <mc:Fallback xmlns="">
               <p:sp>
                 <p:nvSpPr>
                   <p:cNvPr id="41" name="文字方塊 40"/>
@@ -20974,8 +20948,8 @@
             </mc:Fallback>
           </mc:AlternateContent>
         </p:grpSp>
-        <mc:AlternateContent xmlns:mc="http://schemas.openxmlformats.org/markup-compatibility/2006">
-          <mc:Choice xmlns:a14="http://schemas.microsoft.com/office/drawing/2010/main" Requires="a14">
+        <mc:AlternateContent xmlns:mc="http://schemas.openxmlformats.org/markup-compatibility/2006" xmlns:a14="http://schemas.microsoft.com/office/drawing/2010/main">
+          <mc:Choice Requires="a14">
             <p:sp>
               <p:nvSpPr>
                 <p:cNvPr id="46" name="文字方塊 45"/>
@@ -20998,6 +20972,7 @@
                 </a:bodyPr>
                 <a:lstStyle/>
                 <a:p>
+                  <a:pPr/>
                   <a14:m>
                     <m:oMathPara xmlns:m="http://schemas.openxmlformats.org/officeDocument/2006/math">
                       <m:oMathParaPr>
@@ -21025,7 +21000,7 @@
               </p:txBody>
             </p:sp>
           </mc:Choice>
-          <mc:Fallback>
+          <mc:Fallback xmlns="">
             <p:sp>
               <p:nvSpPr>
                 <p:cNvPr id="46" name="文字方塊 45"/>
@@ -21250,8 +21225,8 @@
               </p:style>
             </p:cxnSp>
           </p:grpSp>
-          <mc:AlternateContent xmlns:mc="http://schemas.openxmlformats.org/markup-compatibility/2006">
-            <mc:Choice xmlns:a14="http://schemas.microsoft.com/office/drawing/2010/main" Requires="a14">
+          <mc:AlternateContent xmlns:mc="http://schemas.openxmlformats.org/markup-compatibility/2006" xmlns:a14="http://schemas.microsoft.com/office/drawing/2010/main">
+            <mc:Choice Requires="a14">
               <p:sp>
                 <p:nvSpPr>
                   <p:cNvPr id="22" name="文字方塊 21"/>
@@ -21274,6 +21249,7 @@
                   </a:bodyPr>
                   <a:lstStyle/>
                   <a:p>
+                    <a:pPr/>
                     <a14:m>
                       <m:oMathPara xmlns:m="http://schemas.openxmlformats.org/officeDocument/2006/math">
                         <m:oMathParaPr>
@@ -21296,25 +21272,7 @@
                               </a:solidFill>
                               <a:latin typeface="Cambria Math" panose="02040503050406030204" pitchFamily="18" charset="0"/>
                             </a:rPr>
-                            <m:t>(15, </m:t>
-                          </m:r>
-                          <m:r>
-                            <a:rPr lang="en-US" altLang="zh-TW" sz="1400" b="0" i="1" smtClean="0">
-                              <a:solidFill>
-                                <a:schemeClr val="tx1"/>
-                              </a:solidFill>
-                              <a:latin typeface="Cambria Math" panose="02040503050406030204" pitchFamily="18" charset="0"/>
-                            </a:rPr>
-                            <m:t>20</m:t>
-                          </m:r>
-                          <m:r>
-                            <a:rPr lang="en-US" altLang="zh-TW" sz="1400" i="1" smtClean="0">
-                              <a:solidFill>
-                                <a:schemeClr val="tx1"/>
-                              </a:solidFill>
-                              <a:latin typeface="Cambria Math" panose="02040503050406030204" pitchFamily="18" charset="0"/>
-                            </a:rPr>
-                            <m:t>)</m:t>
+                            <m:t>(15, 20)</m:t>
                           </m:r>
                         </m:oMath>
                       </m:oMathPara>
@@ -21328,7 +21286,7 @@
                 </p:txBody>
               </p:sp>
             </mc:Choice>
-            <mc:Fallback>
+            <mc:Fallback xmlns="">
               <p:sp>
                 <p:nvSpPr>
                   <p:cNvPr id="22" name="文字方塊 21"/>
@@ -21367,8 +21325,8 @@
               </p:sp>
             </mc:Fallback>
           </mc:AlternateContent>
-          <mc:AlternateContent xmlns:mc="http://schemas.openxmlformats.org/markup-compatibility/2006">
-            <mc:Choice xmlns:a14="http://schemas.microsoft.com/office/drawing/2010/main" Requires="a14">
+          <mc:AlternateContent xmlns:mc="http://schemas.openxmlformats.org/markup-compatibility/2006" xmlns:a14="http://schemas.microsoft.com/office/drawing/2010/main">
+            <mc:Choice Requires="a14">
               <p:sp>
                 <p:nvSpPr>
                   <p:cNvPr id="23" name="文字方塊 22"/>
@@ -21391,6 +21349,7 @@
                   </a:bodyPr>
                   <a:lstStyle/>
                   <a:p>
+                    <a:pPr/>
                     <a14:m>
                       <m:oMathPara xmlns:m="http://schemas.openxmlformats.org/officeDocument/2006/math">
                         <m:oMathParaPr>
@@ -21407,19 +21366,7 @@
                             <a:rPr lang="en-US" altLang="zh-TW" sz="1400" i="1" smtClean="0">
                               <a:latin typeface="Cambria Math" panose="02040503050406030204" pitchFamily="18" charset="0"/>
                             </a:rPr>
-                            <m:t>(10, </m:t>
-                          </m:r>
-                          <m:r>
-                            <a:rPr lang="en-US" altLang="zh-TW" sz="1400" b="0" i="1" smtClean="0">
-                              <a:latin typeface="Cambria Math" panose="02040503050406030204" pitchFamily="18" charset="0"/>
-                            </a:rPr>
-                            <m:t>17</m:t>
-                          </m:r>
-                          <m:r>
-                            <a:rPr lang="en-US" altLang="zh-TW" sz="1400" i="1" smtClean="0">
-                              <a:latin typeface="Cambria Math" panose="02040503050406030204" pitchFamily="18" charset="0"/>
-                            </a:rPr>
-                            <m:t>)</m:t>
+                            <m:t>(10, 17)</m:t>
                           </m:r>
                         </m:oMath>
                       </m:oMathPara>
@@ -21429,7 +21376,7 @@
                 </p:txBody>
               </p:sp>
             </mc:Choice>
-            <mc:Fallback>
+            <mc:Fallback xmlns="">
               <p:sp>
                 <p:nvSpPr>
                   <p:cNvPr id="23" name="文字方塊 22"/>
@@ -21560,8 +21507,8 @@
               </a:p>
             </p:txBody>
           </p:sp>
-          <mc:AlternateContent xmlns:mc="http://schemas.openxmlformats.org/markup-compatibility/2006">
-            <mc:Choice xmlns:a14="http://schemas.microsoft.com/office/drawing/2010/main" Requires="a14">
+          <mc:AlternateContent xmlns:mc="http://schemas.openxmlformats.org/markup-compatibility/2006" xmlns:a14="http://schemas.microsoft.com/office/drawing/2010/main">
+            <mc:Choice Requires="a14">
               <p:sp>
                 <p:nvSpPr>
                   <p:cNvPr id="29" name="文字方塊 28"/>
@@ -21596,6 +21543,7 @@
                     </a:lvl1pPr>
                   </a:lstStyle>
                   <a:p>
+                    <a:pPr/>
                     <a14:m>
                       <m:oMathPara xmlns:m="http://schemas.openxmlformats.org/officeDocument/2006/math">
                         <m:oMathParaPr>
@@ -21603,7 +21551,9 @@
                         </m:oMathParaPr>
                         <m:oMath xmlns:m="http://schemas.openxmlformats.org/officeDocument/2006/math">
                           <m:r>
-                            <a:rPr lang="en-US" altLang="zh-TW"/>
+                            <a:rPr lang="en-US" altLang="zh-TW">
+                              <a:latin typeface="Cambria Math" panose="02040503050406030204" pitchFamily="18" charset="0"/>
+                            </a:rPr>
                             <m:t>𝑏</m:t>
                           </m:r>
                         </m:oMath>
@@ -21614,7 +21564,7 @@
                 </p:txBody>
               </p:sp>
             </mc:Choice>
-            <mc:Fallback>
+            <mc:Fallback xmlns="">
               <p:sp>
                 <p:nvSpPr>
                   <p:cNvPr id="29" name="文字方塊 28"/>
@@ -21653,8 +21603,8 @@
               </p:sp>
             </mc:Fallback>
           </mc:AlternateContent>
-          <mc:AlternateContent xmlns:mc="http://schemas.openxmlformats.org/markup-compatibility/2006">
-            <mc:Choice xmlns:a14="http://schemas.microsoft.com/office/drawing/2010/main" Requires="a14">
+          <mc:AlternateContent xmlns:mc="http://schemas.openxmlformats.org/markup-compatibility/2006" xmlns:a14="http://schemas.microsoft.com/office/drawing/2010/main">
+            <mc:Choice Requires="a14">
               <p:sp>
                 <p:nvSpPr>
                   <p:cNvPr id="30" name="文字方塊 29"/>
@@ -21689,6 +21639,7 @@
                     </a:lvl1pPr>
                   </a:lstStyle>
                   <a:p>
+                    <a:pPr/>
                     <a14:m>
                       <m:oMathPara xmlns:m="http://schemas.openxmlformats.org/officeDocument/2006/math">
                         <m:oMathParaPr>
@@ -21696,7 +21647,9 @@
                         </m:oMathParaPr>
                         <m:oMath xmlns:m="http://schemas.openxmlformats.org/officeDocument/2006/math">
                           <m:r>
-                            <a:rPr lang="en-US" altLang="zh-TW"/>
+                            <a:rPr lang="en-US" altLang="zh-TW">
+                              <a:latin typeface="Cambria Math" panose="02040503050406030204" pitchFamily="18" charset="0"/>
+                            </a:rPr>
                             <m:t>𝑎</m:t>
                           </m:r>
                         </m:oMath>
@@ -21707,7 +21660,7 @@
                 </p:txBody>
               </p:sp>
             </mc:Choice>
-            <mc:Fallback>
+            <mc:Fallback xmlns="">
               <p:sp>
                 <p:nvSpPr>
                   <p:cNvPr id="30" name="文字方塊 29"/>
@@ -21747,8 +21700,8 @@
             </mc:Fallback>
           </mc:AlternateContent>
         </p:grpSp>
-        <mc:AlternateContent xmlns:mc="http://schemas.openxmlformats.org/markup-compatibility/2006">
-          <mc:Choice xmlns:a14="http://schemas.microsoft.com/office/drawing/2010/main" Requires="a14">
+        <mc:AlternateContent xmlns:mc="http://schemas.openxmlformats.org/markup-compatibility/2006" xmlns:a14="http://schemas.microsoft.com/office/drawing/2010/main">
+          <mc:Choice Requires="a14">
             <p:sp>
               <p:nvSpPr>
                 <p:cNvPr id="47" name="文字方塊 46"/>
@@ -21771,6 +21724,7 @@
                 </a:bodyPr>
                 <a:lstStyle/>
                 <a:p>
+                  <a:pPr/>
                   <a14:m>
                     <m:oMathPara xmlns:m="http://schemas.openxmlformats.org/officeDocument/2006/math">
                       <m:oMathParaPr>
@@ -21798,7 +21752,7 @@
               </p:txBody>
             </p:sp>
           </mc:Choice>
-          <mc:Fallback>
+          <mc:Fallback xmlns="">
             <p:sp>
               <p:nvSpPr>
                 <p:cNvPr id="47" name="文字方塊 46"/>
@@ -22006,8 +21960,8 @@
             </a:p>
           </p:txBody>
         </p:sp>
-        <mc:AlternateContent xmlns:mc="http://schemas.openxmlformats.org/markup-compatibility/2006">
-          <mc:Choice xmlns:a14="http://schemas.microsoft.com/office/drawing/2010/main" Requires="a14">
+        <mc:AlternateContent xmlns:mc="http://schemas.openxmlformats.org/markup-compatibility/2006" xmlns:a14="http://schemas.microsoft.com/office/drawing/2010/main">
+          <mc:Choice Requires="a14">
             <p:sp>
               <p:nvSpPr>
                 <p:cNvPr id="53" name="文字方塊 52"/>
@@ -22030,6 +21984,7 @@
                 </a:bodyPr>
                 <a:lstStyle/>
                 <a:p>
+                  <a:pPr/>
                   <a14:m>
                     <m:oMathPara xmlns:m="http://schemas.openxmlformats.org/officeDocument/2006/math">
                       <m:oMathParaPr>
@@ -22069,7 +22024,7 @@
               </p:txBody>
             </p:sp>
           </mc:Choice>
-          <mc:Fallback>
+          <mc:Fallback xmlns="">
             <p:sp>
               <p:nvSpPr>
                 <p:cNvPr id="53" name="文字方塊 52"/>
@@ -22263,8 +22218,8 @@
             </a:p>
           </p:txBody>
         </p:sp>
-        <mc:AlternateContent xmlns:mc="http://schemas.openxmlformats.org/markup-compatibility/2006">
-          <mc:Choice xmlns:a14="http://schemas.microsoft.com/office/drawing/2010/main" Requires="a14">
+        <mc:AlternateContent xmlns:mc="http://schemas.openxmlformats.org/markup-compatibility/2006" xmlns:a14="http://schemas.microsoft.com/office/drawing/2010/main">
+          <mc:Choice Requires="a14">
             <p:sp>
               <p:nvSpPr>
                 <p:cNvPr id="58" name="文字方塊 57"/>
@@ -22287,6 +22242,7 @@
                 </a:bodyPr>
                 <a:lstStyle/>
                 <a:p>
+                  <a:pPr/>
                   <a14:m>
                     <m:oMathPara xmlns:m="http://schemas.openxmlformats.org/officeDocument/2006/math">
                       <m:oMathParaPr>
@@ -22326,7 +22282,7 @@
               </p:txBody>
             </p:sp>
           </mc:Choice>
-          <mc:Fallback>
+          <mc:Fallback xmlns="">
             <p:sp>
               <p:nvSpPr>
                 <p:cNvPr id="58" name="文字方塊 57"/>
@@ -22520,8 +22476,8 @@
             </a:p>
           </p:txBody>
         </p:sp>
-        <mc:AlternateContent xmlns:mc="http://schemas.openxmlformats.org/markup-compatibility/2006">
-          <mc:Choice xmlns:a14="http://schemas.microsoft.com/office/drawing/2010/main" Requires="a14">
+        <mc:AlternateContent xmlns:mc="http://schemas.openxmlformats.org/markup-compatibility/2006" xmlns:a14="http://schemas.microsoft.com/office/drawing/2010/main">
+          <mc:Choice Requires="a14">
             <p:sp>
               <p:nvSpPr>
                 <p:cNvPr id="63" name="文字方塊 62"/>
@@ -22544,6 +22500,7 @@
                 </a:bodyPr>
                 <a:lstStyle/>
                 <a:p>
+                  <a:pPr/>
                   <a14:m>
                     <m:oMathPara xmlns:m="http://schemas.openxmlformats.org/officeDocument/2006/math">
                       <m:oMathParaPr>
@@ -22583,7 +22540,7 @@
               </p:txBody>
             </p:sp>
           </mc:Choice>
-          <mc:Fallback>
+          <mc:Fallback xmlns="">
             <p:sp>
               <p:nvSpPr>
                 <p:cNvPr id="63" name="文字方塊 62"/>
@@ -22777,8 +22734,8 @@
             </a:p>
           </p:txBody>
         </p:sp>
-        <mc:AlternateContent xmlns:mc="http://schemas.openxmlformats.org/markup-compatibility/2006">
-          <mc:Choice xmlns:a14="http://schemas.microsoft.com/office/drawing/2010/main" Requires="a14">
+        <mc:AlternateContent xmlns:mc="http://schemas.openxmlformats.org/markup-compatibility/2006" xmlns:a14="http://schemas.microsoft.com/office/drawing/2010/main">
+          <mc:Choice Requires="a14">
             <p:sp>
               <p:nvSpPr>
                 <p:cNvPr id="68" name="文字方塊 67"/>
@@ -22801,6 +22758,7 @@
                 </a:bodyPr>
                 <a:lstStyle/>
                 <a:p>
+                  <a:pPr/>
                   <a14:m>
                     <m:oMathPara xmlns:m="http://schemas.openxmlformats.org/officeDocument/2006/math">
                       <m:oMathParaPr>
@@ -22840,7 +22798,7 @@
               </p:txBody>
             </p:sp>
           </mc:Choice>
-          <mc:Fallback>
+          <mc:Fallback xmlns="">
             <p:sp>
               <p:nvSpPr>
                 <p:cNvPr id="68" name="文字方塊 67"/>
